--- a/Slide/16- What are Modules, Packages, and Libraries.pptx
+++ b/Slide/16- What are Modules, Packages, and Libraries.pptx
@@ -4203,7 +4203,7 @@
           <a:p>
             <a:fld id="{F5647B97-F030-426D-A9D1-6B39B13C23ED}" type="datetimeFigureOut">
               <a:rPr lang="en-US" smtClean="0"/>
-              <a:t>5/12/2023</a:t>
+              <a:t>5/14/2023</a:t>
             </a:fld>
             <a:endParaRPr lang="en-US" dirty="0"/>
           </a:p>
@@ -4380,7 +4380,7 @@
           <a:p>
             <a:fld id="{6AF24CBC-D461-4ECA-A489-D3A30E0FB795}" type="datetimeFigureOut">
               <a:rPr lang="en-US" smtClean="0"/>
-              <a:t>5/12/2023</a:t>
+              <a:t>5/14/2023</a:t>
             </a:fld>
             <a:endParaRPr lang="en-US" dirty="0"/>
           </a:p>
@@ -5249,7 +5249,7 @@
           <a:p>
             <a:fld id="{530D48CF-CA04-4783-93AD-979ACAA61BAD}" type="datetime1">
               <a:rPr lang="en-US" smtClean="0"/>
-              <a:t>5/12/2023</a:t>
+              <a:t>5/14/2023</a:t>
             </a:fld>
             <a:endParaRPr lang="en-US" dirty="0"/>
           </a:p>
@@ -5528,7 +5528,7 @@
           <a:p>
             <a:fld id="{B3CD8F5E-101B-4FAA-9D82-961F1DB1544E}" type="datetime1">
               <a:rPr lang="en-US" smtClean="0"/>
-              <a:t>5/12/2023</a:t>
+              <a:t>5/14/2023</a:t>
             </a:fld>
             <a:endParaRPr lang="en-US" dirty="0"/>
           </a:p>
@@ -5755,7 +5755,7 @@
           <a:p>
             <a:fld id="{ED27139F-35B2-43FA-B637-88921C5FFDC1}" type="datetime1">
               <a:rPr lang="en-US" smtClean="0"/>
-              <a:t>5/12/2023</a:t>
+              <a:t>5/14/2023</a:t>
             </a:fld>
             <a:endParaRPr lang="en-US" dirty="0"/>
           </a:p>
@@ -5956,7 +5956,7 @@
           <a:p>
             <a:fld id="{B70B01E3-C0B1-4B9B-89A9-02A94F8923FD}" type="datetime1">
               <a:rPr lang="en-US" smtClean="0"/>
-              <a:t>5/12/2023</a:t>
+              <a:t>5/14/2023</a:t>
             </a:fld>
             <a:endParaRPr lang="en-US" dirty="0"/>
           </a:p>
@@ -6147,7 +6147,7 @@
           <a:p>
             <a:fld id="{AD6E31F1-ECC9-4BD6-B025-EF3978C15B30}" type="datetime1">
               <a:rPr lang="en-US" smtClean="0"/>
-              <a:t>5/12/2023</a:t>
+              <a:t>5/14/2023</a:t>
             </a:fld>
             <a:endParaRPr lang="en-US" dirty="0"/>
           </a:p>
@@ -6455,7 +6455,7 @@
           <a:p>
             <a:fld id="{0723E066-FCF7-4D43-8CE1-1C08EC1A1793}" type="datetime1">
               <a:rPr lang="en-US" smtClean="0"/>
-              <a:t>5/12/2023</a:t>
+              <a:t>5/14/2023</a:t>
             </a:fld>
             <a:endParaRPr lang="en-US" dirty="0"/>
           </a:p>
@@ -6886,7 +6886,7 @@
           <a:p>
             <a:fld id="{56DC8794-11C8-4B79-A4E9-18EDC7F6F0E1}" type="datetime1">
               <a:rPr lang="en-US" smtClean="0"/>
-              <a:t>5/12/2023</a:t>
+              <a:t>5/14/2023</a:t>
             </a:fld>
             <a:endParaRPr lang="en-US" dirty="0"/>
           </a:p>
@@ -7013,7 +7013,7 @@
           <a:p>
             <a:fld id="{A3CD5C23-9E41-495D-915A-9AA2F40B498D}" type="datetime1">
               <a:rPr lang="en-US" smtClean="0"/>
-              <a:t>5/12/2023</a:t>
+              <a:t>5/14/2023</a:t>
             </a:fld>
             <a:endParaRPr lang="en-US" dirty="0"/>
           </a:p>
@@ -7112,7 +7112,7 @@
           <a:p>
             <a:fld id="{44F57D3B-5F64-44A5-AA84-66F74DA0B34C}" type="datetime1">
               <a:rPr lang="en-US" smtClean="0"/>
-              <a:t>5/12/2023</a:t>
+              <a:t>5/14/2023</a:t>
             </a:fld>
             <a:endParaRPr lang="en-US" dirty="0"/>
           </a:p>
@@ -7417,7 +7417,7 @@
           <a:p>
             <a:fld id="{2A0FC8FD-3A4C-43CB-AF34-DC8E25AC924B}" type="datetime1">
               <a:rPr lang="en-US" smtClean="0"/>
-              <a:t>5/12/2023</a:t>
+              <a:t>5/14/2023</a:t>
             </a:fld>
             <a:endParaRPr lang="en-US" dirty="0"/>
           </a:p>
@@ -7691,7 +7691,7 @@
           <a:p>
             <a:fld id="{7B82EBCC-AAFA-45D8-862F-DAF4C6B28F16}" type="datetime1">
               <a:rPr lang="en-US" smtClean="0"/>
-              <a:t>5/12/2023</a:t>
+              <a:t>5/14/2023</a:t>
             </a:fld>
             <a:endParaRPr lang="en-US" dirty="0"/>
           </a:p>
@@ -7942,7 +7942,7 @@
           <a:p>
             <a:fld id="{DDB2D2ED-04BA-4C3B-A1BA-41B691232536}" type="datetime1">
               <a:rPr lang="en-US" smtClean="0"/>
-              <a:t>5/12/2023</a:t>
+              <a:t>5/14/2023</a:t>
             </a:fld>
             <a:endParaRPr lang="en-US" dirty="0"/>
           </a:p>
@@ -9389,15 +9389,6 @@
               <a:srgbClr val="969696"/>
             </a:contourClr>
           </a:sp3d>
-          <a:extLst>
-            <a:ext uri="{909E8E84-426E-40DD-AFC4-6F175D3DCCD1}">
-              <a14:hiddenFill xmlns:a14="http://schemas.microsoft.com/office/drawing/2010/main">
-                <a:solidFill>
-                  <a:srgbClr val="FFFFFF"/>
-                </a:solidFill>
-              </a14:hiddenFill>
-            </a:ext>
-          </a:extLst>
         </p:spPr>
       </p:pic>
     </p:spTree>
@@ -10461,7 +10452,7 @@
           </a:p>
           <a:p>
             <a:r>
-              <a:rPr lang="fa-IR">
+              <a:rPr lang="fa-IR" dirty="0">
                 <a:latin typeface="Kalameh" pitchFamily="2" charset="-78"/>
                 <a:cs typeface="Kalameh" pitchFamily="2" charset="-78"/>
               </a:rPr>
@@ -13478,23 +13469,6 @@
 </file>
 
 <file path=customXml/item1.xml><?xml version="1.0" encoding="utf-8"?>
-<p:properties xmlns:p="http://schemas.microsoft.com/office/2006/metadata/properties" xmlns:xsi="http://www.w3.org/2001/XMLSchema-instance" xmlns:pc="http://schemas.microsoft.com/office/infopath/2007/PartnerControls">
-  <documentManagement>
-    <MediaServiceKeyPoints xmlns="71af3243-3dd4-4a8d-8c0d-dd76da1f02a5" xsi:nil="true"/>
-  </documentManagement>
-</p:properties>
-</file>
-
-<file path=customXml/item2.xml><?xml version="1.0" encoding="utf-8"?>
-<?mso-contentType ?>
-<FormTemplates xmlns="http://schemas.microsoft.com/sharepoint/v3/contenttype/forms">
-  <Display>DocumentLibraryForm</Display>
-  <Edit>DocumentLibraryForm</Edit>
-  <New>DocumentLibraryForm</New>
-</FormTemplates>
-</file>
-
-<file path=customXml/item3.xml><?xml version="1.0" encoding="utf-8"?>
 <ct:contentTypeSchema xmlns:ct="http://schemas.microsoft.com/office/2006/metadata/contentType" xmlns:ma="http://schemas.microsoft.com/office/2006/metadata/properties/metaAttributes" ct:_="" ma:_="" ma:contentTypeName="Document" ma:contentTypeID="0x01010079F111ED35F8CC479449609E8A0923A6" ma:contentTypeVersion="11" ma:contentTypeDescription="Create a new document." ma:contentTypeScope="" ma:versionID="96291512c1ee715ab617f4c07df79fc1">
   <xsd:schema xmlns:xsd="http://www.w3.org/2001/XMLSchema" xmlns:xs="http://www.w3.org/2001/XMLSchema" xmlns:p="http://schemas.microsoft.com/office/2006/metadata/properties" xmlns:ns2="71af3243-3dd4-4a8d-8c0d-dd76da1f02a5" xmlns:ns3="16c05727-aa75-4e4a-9b5f-8a80a1165891" targetNamespace="http://schemas.microsoft.com/office/2006/metadata/properties" ma:root="true" ma:fieldsID="8256c27c40ca5c40ce1cf6c44f0205df" ns2:_="" ns3:_="">
     <xsd:import namespace="71af3243-3dd4-4a8d-8c0d-dd76da1f02a5"/>
@@ -13705,25 +13679,24 @@
 </ct:contentTypeSchema>
 </file>
 
-<file path=customXml/itemProps1.xml><?xml version="1.0" encoding="utf-8"?>
-<ds:datastoreItem xmlns:ds="http://schemas.openxmlformats.org/officeDocument/2006/customXml" ds:itemID="{2A9B77A0-8658-45E5-8D19-245595005394}">
-  <ds:schemaRefs>
-    <ds:schemaRef ds:uri="http://schemas.microsoft.com/office/2006/metadata/properties"/>
-    <ds:schemaRef ds:uri="http://schemas.microsoft.com/office/infopath/2007/PartnerControls"/>
-    <ds:schemaRef ds:uri="71af3243-3dd4-4a8d-8c0d-dd76da1f02a5"/>
-  </ds:schemaRefs>
-</ds:datastoreItem>
+<file path=customXml/item2.xml><?xml version="1.0" encoding="utf-8"?>
+<?mso-contentType ?>
+<FormTemplates xmlns="http://schemas.microsoft.com/sharepoint/v3/contenttype/forms">
+  <Display>DocumentLibraryForm</Display>
+  <Edit>DocumentLibraryForm</Edit>
+  <New>DocumentLibraryForm</New>
+</FormTemplates>
 </file>
 
-<file path=customXml/itemProps2.xml><?xml version="1.0" encoding="utf-8"?>
-<ds:datastoreItem xmlns:ds="http://schemas.openxmlformats.org/officeDocument/2006/customXml" ds:itemID="{19E42AFF-377A-47D3-84EF-20B0692369E9}">
-  <ds:schemaRefs>
-    <ds:schemaRef ds:uri="http://schemas.microsoft.com/sharepoint/v3/contenttype/forms"/>
-  </ds:schemaRefs>
-</ds:datastoreItem>
+<file path=customXml/item3.xml><?xml version="1.0" encoding="utf-8"?>
+<p:properties xmlns:p="http://schemas.microsoft.com/office/2006/metadata/properties" xmlns:xsi="http://www.w3.org/2001/XMLSchema-instance" xmlns:pc="http://schemas.microsoft.com/office/infopath/2007/PartnerControls">
+  <documentManagement>
+    <MediaServiceKeyPoints xmlns="71af3243-3dd4-4a8d-8c0d-dd76da1f02a5" xsi:nil="true"/>
+  </documentManagement>
+</p:properties>
 </file>
 
-<file path=customXml/itemProps3.xml><?xml version="1.0" encoding="utf-8"?>
+<file path=customXml/itemProps1.xml><?xml version="1.0" encoding="utf-8"?>
 <ds:datastoreItem xmlns:ds="http://schemas.openxmlformats.org/officeDocument/2006/customXml" ds:itemID="{28AC8BD7-946A-4C17-A395-21CB0265D784}">
   <ds:schemaRefs>
     <ds:schemaRef ds:uri="http://schemas.microsoft.com/office/2006/metadata/contentType"/>
@@ -13740,4 +13713,22 @@
     <ds:schemaRef ds:uri="http://schemas.microsoft.com/internal/obd"/>
   </ds:schemaRefs>
 </ds:datastoreItem>
+</file>
+
+<file path=customXml/itemProps2.xml><?xml version="1.0" encoding="utf-8"?>
+<ds:datastoreItem xmlns:ds="http://schemas.openxmlformats.org/officeDocument/2006/customXml" ds:itemID="{19E42AFF-377A-47D3-84EF-20B0692369E9}">
+  <ds:schemaRefs>
+    <ds:schemaRef ds:uri="http://schemas.microsoft.com/sharepoint/v3/contenttype/forms"/>
+  </ds:schemaRefs>
+</ds:datastoreItem>
+</file>
+
+<file path=customXml/itemProps3.xml><?xml version="1.0" encoding="utf-8"?>
+<ds:datastoreItem xmlns:ds="http://schemas.openxmlformats.org/officeDocument/2006/customXml" ds:itemID="{2A9B77A0-8658-45E5-8D19-245595005394}">
+  <ds:schemaRefs>
+    <ds:schemaRef ds:uri="http://schemas.microsoft.com/office/2006/metadata/properties"/>
+    <ds:schemaRef ds:uri="http://schemas.microsoft.com/office/infopath/2007/PartnerControls"/>
+    <ds:schemaRef ds:uri="71af3243-3dd4-4a8d-8c0d-dd76da1f02a5"/>
+  </ds:schemaRefs>
+</ds:datastoreItem>
 </file>